--- a/Student Portal.pptx
+++ b/Student Portal.pptx
@@ -5824,8 +5824,67 @@
             </a:pPr>
             <a:r>
               <a:rPr lang="en-US" dirty="0"/>
-              <a:t> https://jokers-developer-edition.eu12.force.com/student/s/login</a:t>
-            </a:r>
+              <a:t> </a:t>
+            </a:r>
+            <a:r>
+              <a:rPr lang="en-US" dirty="0">
+                <a:hlinkClick r:id="rId2"/>
+              </a:rPr>
+              <a:t>https://jokers-developer-edition.eu12.force.com/student/s/login</a:t>
+            </a:r>
+            <a:endParaRPr lang="en-US" dirty="0"/>
+          </a:p>
+          <a:p>
+            <a:r>
+              <a:rPr lang="en-US" dirty="0"/>
+              <a:t>Salesforce Login : </a:t>
+            </a:r>
+          </a:p>
+          <a:p>
+            <a:pPr marL="0" indent="0">
+              <a:buNone/>
+            </a:pPr>
+            <a:r>
+              <a:rPr lang="en-US" dirty="0"/>
+              <a:t>Username: rishikesh@einstein.com</a:t>
+            </a:r>
+          </a:p>
+          <a:p>
+            <a:pPr marL="0" indent="0">
+              <a:buNone/>
+            </a:pPr>
+            <a:r>
+              <a:rPr lang="en-US" dirty="0"/>
+              <a:t>Password: einstein99</a:t>
+            </a:r>
+          </a:p>
+          <a:p>
+            <a:pPr marL="0" indent="0">
+              <a:buNone/>
+            </a:pPr>
+            <a:r>
+              <a:rPr lang="en-US" dirty="0"/>
+              <a:t>Login URL: </a:t>
+            </a:r>
+            <a:r>
+              <a:rPr lang="en-US" dirty="0">
+                <a:hlinkClick r:id="rId3"/>
+              </a:rPr>
+              <a:t>https://login.salesforce.</a:t>
+            </a:r>
+            <a:r>
+              <a:rPr lang="en-US">
+                <a:hlinkClick r:id="rId3"/>
+              </a:rPr>
+              <a:t>com/</a:t>
+            </a:r>
+            <a:endParaRPr lang="en-US"/>
+          </a:p>
+          <a:p>
+            <a:pPr marL="0" indent="0">
+              <a:buNone/>
+            </a:pPr>
+            <a:endParaRPr lang="en-US" dirty="0"/>
           </a:p>
         </p:txBody>
       </p:sp>
